--- a/presentation.pptx
+++ b/presentation.pptx
@@ -7,8 +7,8 @@
   <p:sldIdLst>
     <p:sldId id="256" r:id="rId2"/>
     <p:sldId id="257" r:id="rId3"/>
-    <p:sldId id="260" r:id="rId4"/>
-    <p:sldId id="266" r:id="rId5"/>
+    <p:sldId id="266" r:id="rId4"/>
+    <p:sldId id="260" r:id="rId5"/>
     <p:sldId id="262" r:id="rId6"/>
     <p:sldId id="263" r:id="rId7"/>
     <p:sldId id="265" r:id="rId8"/>
@@ -111,6 +111,11 @@
       </a:defRPr>
     </a:lvl9pPr>
   </p:defaultTextStyle>
+  <p:extLst>
+    <p:ext uri="{EFAFB233-063F-42B5-8137-9DF3F51BA10A}">
+      <p15:sldGuideLst xmlns:p15="http://schemas.microsoft.com/office/powerpoint/2012/main"/>
+    </p:ext>
+  </p:extLst>
 </p:presentation>
 </file>
 
@@ -209,7 +214,7 @@
           <a:effectLst/>
           <a:extLst>
             <a:ext uri="{91240B29-F687-4f45-9708-019B960494DF}">
-              <a14:hiddenLine xmlns:a14="http://schemas.microsoft.com/office/drawing/2010/main" xmlns="" w="9525">
+              <a14:hiddenLine xmlns="" xmlns:a14="http://schemas.microsoft.com/office/drawing/2010/main" w="9525">
                 <a:solidFill>
                   <a:srgbClr val="000000"/>
                 </a:solidFill>
@@ -402,7 +407,7 @@
             <a:fld id="{08B9EBBA-996F-894A-B54A-D6246ED52CEA}" type="datetimeFigureOut">
               <a:rPr lang="en-US" dirty="0"/>
               <a:pPr/>
-              <a:t>5/9/18</a:t>
+              <a:t>5/9/2018</a:t>
             </a:fld>
             <a:endParaRPr lang="en-US" dirty="0"/>
           </a:p>
@@ -717,7 +722,7 @@
             <a:fld id="{18C79C5D-2A6F-F04D-97DA-BEF2467B64E4}" type="datetimeFigureOut">
               <a:rPr lang="en-US" dirty="0"/>
               <a:pPr/>
-              <a:t>5/9/18</a:t>
+              <a:t>5/9/2018</a:t>
             </a:fld>
             <a:endParaRPr lang="en-US" dirty="0"/>
           </a:p>
@@ -1202,7 +1207,7 @@
             <a:fld id="{8DFA1846-DA80-1C48-A609-854EA85C59AD}" type="datetimeFigureOut">
               <a:rPr lang="en-US" dirty="0"/>
               <a:pPr/>
-              <a:t>5/9/18</a:t>
+              <a:t>5/9/2018</a:t>
             </a:fld>
             <a:endParaRPr lang="en-US" dirty="0"/>
           </a:p>
@@ -1568,7 +1573,7 @@
             <a:fld id="{FBF54567-0DE4-3F47-BF90-CB84690072F9}" type="datetimeFigureOut">
               <a:rPr lang="en-US" dirty="0"/>
               <a:pPr/>
-              <a:t>5/9/18</a:t>
+              <a:t>5/9/2018</a:t>
             </a:fld>
             <a:endParaRPr lang="en-US" dirty="0"/>
           </a:p>
@@ -1719,7 +1724,7 @@
           <a:ln/>
           <a:extLst>
             <a:ext uri="{91240B29-F687-4f45-9708-019B960494DF}">
-              <a14:hiddenLine xmlns:a14="http://schemas.microsoft.com/office/drawing/2010/main" xmlns="" w="9525">
+              <a14:hiddenLine xmlns="" xmlns:a14="http://schemas.microsoft.com/office/drawing/2010/main" w="9525">
                 <a:solidFill>
                   <a:srgbClr val="000000"/>
                 </a:solidFill>
@@ -1838,7 +1843,7 @@
             <a:fld id="{C6C52C72-DE31-F449-A4ED-4C594FD91407}" type="datetimeFigureOut">
               <a:rPr lang="en-US" dirty="0"/>
               <a:pPr/>
-              <a:t>5/9/18</a:t>
+              <a:t>5/9/2018</a:t>
             </a:fld>
             <a:endParaRPr lang="en-US" dirty="0"/>
           </a:p>
@@ -1991,7 +1996,7 @@
           <a:ln/>
           <a:extLst>
             <a:ext uri="{91240B29-F687-4f45-9708-019B960494DF}">
-              <a14:hiddenLine xmlns:a14="http://schemas.microsoft.com/office/drawing/2010/main" xmlns="" w="9525">
+              <a14:hiddenLine xmlns="" xmlns:a14="http://schemas.microsoft.com/office/drawing/2010/main" w="9525">
                 <a:solidFill>
                   <a:srgbClr val="000000"/>
                 </a:solidFill>
@@ -2120,7 +2125,7 @@
             <a:fld id="{ED62726E-379B-B349-9EED-81ED093FA806}" type="datetimeFigureOut">
               <a:rPr lang="en-US" dirty="0"/>
               <a:pPr/>
-              <a:t>5/9/18</a:t>
+              <a:t>5/9/2018</a:t>
             </a:fld>
             <a:endParaRPr lang="en-US" dirty="0"/>
           </a:p>
@@ -2271,7 +2276,7 @@
           <a:ln/>
           <a:extLst>
             <a:ext uri="{91240B29-F687-4f45-9708-019B960494DF}">
-              <a14:hiddenLine xmlns:a14="http://schemas.microsoft.com/office/drawing/2010/main" xmlns="" w="9525">
+              <a14:hiddenLine xmlns="" xmlns:a14="http://schemas.microsoft.com/office/drawing/2010/main" w="9525">
                 <a:solidFill>
                   <a:srgbClr val="000000"/>
                 </a:solidFill>
@@ -2400,7 +2405,7 @@
             <a:fld id="{9B3A1323-8D79-1946-B0D7-40001CF92E9D}" type="datetimeFigureOut">
               <a:rPr lang="en-US" dirty="0"/>
               <a:pPr/>
-              <a:t>5/9/18</a:t>
+              <a:t>5/9/2018</a:t>
             </a:fld>
             <a:endParaRPr lang="en-US" dirty="0"/>
           </a:p>
@@ -2740,7 +2745,7 @@
             <a:fld id="{8DFA1846-DA80-1C48-A609-854EA85C59AD}" type="datetimeFigureOut">
               <a:rPr lang="en-US" dirty="0"/>
               <a:pPr/>
-              <a:t>5/9/18</a:t>
+              <a:t>5/9/2018</a:t>
             </a:fld>
             <a:endParaRPr lang="en-US" dirty="0"/>
           </a:p>
@@ -2891,7 +2896,7 @@
           <a:ln/>
           <a:extLst>
             <a:ext uri="{91240B29-F687-4f45-9708-019B960494DF}">
-              <a14:hiddenLine xmlns:a14="http://schemas.microsoft.com/office/drawing/2010/main" xmlns="" w="9525">
+              <a14:hiddenLine xmlns="" xmlns:a14="http://schemas.microsoft.com/office/drawing/2010/main" w="9525">
                 <a:solidFill>
                   <a:srgbClr val="000000"/>
                 </a:solidFill>
@@ -3076,7 +3081,7 @@
             <a:fld id="{57302355-E14B-8545-A8F8-0FE83CC9D524}" type="datetimeFigureOut">
               <a:rPr lang="en-US" dirty="0"/>
               <a:pPr/>
-              <a:t>5/9/18</a:t>
+              <a:t>5/9/2018</a:t>
             </a:fld>
             <a:endParaRPr lang="en-US" dirty="0"/>
           </a:p>
@@ -3227,7 +3232,7 @@
           <a:ln/>
           <a:extLst>
             <a:ext uri="{91240B29-F687-4f45-9708-019B960494DF}">
-              <a14:hiddenLine xmlns:a14="http://schemas.microsoft.com/office/drawing/2010/main" xmlns="" w="9525">
+              <a14:hiddenLine xmlns="" xmlns:a14="http://schemas.microsoft.com/office/drawing/2010/main" w="9525">
                 <a:solidFill>
                   <a:srgbClr val="000000"/>
                 </a:solidFill>
@@ -3550,7 +3555,7 @@
             <a:fld id="{02640F58-564D-2B4F-AE67-E407BA4FCF45}" type="datetimeFigureOut">
               <a:rPr lang="en-US" dirty="0"/>
               <a:pPr/>
-              <a:t>5/9/18</a:t>
+              <a:t>5/9/2018</a:t>
             </a:fld>
             <a:endParaRPr lang="en-US" dirty="0"/>
           </a:p>
@@ -3701,7 +3706,7 @@
           <a:ln/>
           <a:extLst>
             <a:ext uri="{91240B29-F687-4f45-9708-019B960494DF}">
-              <a14:hiddenLine xmlns:a14="http://schemas.microsoft.com/office/drawing/2010/main" xmlns="" w="9525">
+              <a14:hiddenLine xmlns="" xmlns:a14="http://schemas.microsoft.com/office/drawing/2010/main" w="9525">
                 <a:solidFill>
                   <a:srgbClr val="000000"/>
                 </a:solidFill>
@@ -3768,7 +3773,7 @@
             <a:fld id="{F13A34C8-038E-2045-AF43-DF7DBB8E0E9E}" type="datetimeFigureOut">
               <a:rPr lang="en-US" dirty="0"/>
               <a:pPr/>
-              <a:t>5/9/18</a:t>
+              <a:t>5/9/2018</a:t>
             </a:fld>
             <a:endParaRPr lang="en-US" dirty="0"/>
           </a:p>
@@ -3860,7 +3865,7 @@
             <a:fld id="{8818C68F-D26B-8F47-958C-23B49CF8A634}" type="datetimeFigureOut">
               <a:rPr lang="en-US" dirty="0"/>
               <a:pPr/>
-              <a:t>5/9/18</a:t>
+              <a:t>5/9/2018</a:t>
             </a:fld>
             <a:endParaRPr lang="en-US" dirty="0"/>
           </a:p>
@@ -4124,7 +4129,7 @@
           <a:ln/>
           <a:extLst>
             <a:ext uri="{91240B29-F687-4f45-9708-019B960494DF}">
-              <a14:hiddenLine xmlns:a14="http://schemas.microsoft.com/office/drawing/2010/main" xmlns="" w="9525">
+              <a14:hiddenLine xmlns="" xmlns:a14="http://schemas.microsoft.com/office/drawing/2010/main" w="9525">
                 <a:solidFill>
                   <a:srgbClr val="000000"/>
                 </a:solidFill>
@@ -4324,7 +4329,7 @@
             <a:fld id="{D0DF5E60-9974-AC48-9591-99C2BB44B7CF}" type="datetimeFigureOut">
               <a:rPr lang="en-US" dirty="0"/>
               <a:pPr/>
-              <a:t>5/9/18</a:t>
+              <a:t>5/9/2018</a:t>
             </a:fld>
             <a:endParaRPr lang="en-US" dirty="0"/>
           </a:p>
@@ -4634,7 +4639,7 @@
             <a:fld id="{18C79C5D-2A6F-F04D-97DA-BEF2467B64E4}" type="datetimeFigureOut">
               <a:rPr lang="en-US" dirty="0"/>
               <a:pPr/>
-              <a:t>5/9/18</a:t>
+              <a:t>5/9/2018</a:t>
             </a:fld>
             <a:endParaRPr lang="en-US" dirty="0"/>
           </a:p>
@@ -4901,7 +4906,7 @@
             <a:fld id="{09B482E8-6E0E-1B4F-B1FD-C69DB9E858D9}" type="datetimeFigureOut">
               <a:rPr lang="en-US" dirty="0"/>
               <a:pPr/>
-              <a:t>5/9/18</a:t>
+              <a:t>5/9/2018</a:t>
             </a:fld>
             <a:endParaRPr lang="en-US" dirty="0"/>
           </a:p>
@@ -5490,7 +5495,7 @@
           <a:p>
             <a:r>
               <a:rPr lang="en-US" dirty="0"/>
-              <a:t>Features of the house (size, number of bedrooms, number of bathrooms)</a:t>
+              <a:t>Features of the house (size, number of bedrooms, number of bathrooms, year built)</a:t>
             </a:r>
           </a:p>
           <a:p>
@@ -5548,7 +5553,7 @@
           <p:cNvPr id="2" name="Title 1">
             <a:extLst>
               <a:ext uri="{FF2B5EF4-FFF2-40B4-BE49-F238E27FC236}">
-                <a16:creationId xmlns:a16="http://schemas.microsoft.com/office/drawing/2014/main" id="{D73A4984-40AB-BB49-941D-9AEFBBFE5F45}"/>
+                <a16:creationId xmlns:a16="http://schemas.microsoft.com/office/drawing/2014/main" id="{EDB27D81-59CE-C344-811C-7154F4E4DBE0}"/>
               </a:ext>
             </a:extLst>
           </p:cNvPr>
@@ -5566,112 +5571,22 @@
           <a:p>
             <a:r>
               <a:rPr lang="en-US" dirty="0"/>
-              <a:t>Linear Regression </a:t>
-            </a:r>
-          </a:p>
-        </p:txBody>
-      </p:sp>
-      <p:sp>
-        <p:nvSpPr>
-          <p:cNvPr id="3" name="Text Placeholder 2">
-            <a:extLst>
-              <a:ext uri="{FF2B5EF4-FFF2-40B4-BE49-F238E27FC236}">
-                <a16:creationId xmlns:a16="http://schemas.microsoft.com/office/drawing/2014/main" id="{665C9509-3699-234D-8112-C8C57C770869}"/>
-              </a:ext>
-            </a:extLst>
-          </p:cNvPr>
-          <p:cNvSpPr>
-            <a:spLocks noGrp="1"/>
-          </p:cNvSpPr>
-          <p:nvPr>
-            <p:ph type="body" idx="1"/>
-          </p:nvPr>
-        </p:nvSpPr>
-        <p:spPr/>
-        <p:txBody>
-          <a:bodyPr/>
-          <a:lstStyle/>
-          <a:p>
-            <a:r>
+              <a:t>Benchmark: 62.9% </a:t>
+            </a:r>
+            <a:br>
               <a:rPr lang="en-US" dirty="0"/>
-              <a:t>Best Mean Absolute Percentage Error = 32.8%</a:t>
-            </a:r>
-          </a:p>
-        </p:txBody>
-      </p:sp>
-      <p:sp>
-        <p:nvSpPr>
-          <p:cNvPr id="4" name="Text Placeholder 3">
-            <a:extLst>
-              <a:ext uri="{FF2B5EF4-FFF2-40B4-BE49-F238E27FC236}">
-                <a16:creationId xmlns:a16="http://schemas.microsoft.com/office/drawing/2014/main" id="{ED0F5CFB-9EC2-A140-91C9-B6356DD8071C}"/>
-              </a:ext>
-            </a:extLst>
-          </p:cNvPr>
-          <p:cNvSpPr>
-            <a:spLocks noGrp="1"/>
-          </p:cNvSpPr>
-          <p:nvPr>
-            <p:ph type="body" sz="quarter" idx="16"/>
-          </p:nvPr>
-        </p:nvSpPr>
-        <p:spPr/>
-        <p:txBody>
-          <a:bodyPr/>
-          <a:lstStyle/>
-          <a:p>
-            <a:pPr marL="285750" indent="-285750">
-              <a:buFont typeface="Arial" panose="020B0604020202020204" pitchFamily="34" charset="0"/>
-              <a:buChar char="•"/>
-            </a:pPr>
+            </a:br>
             <a:r>
               <a:rPr lang="en-US" dirty="0"/>
-              <a:t>Feature Correlation Testing</a:t>
-            </a:r>
-          </a:p>
-          <a:p>
-            <a:pPr marL="285750" indent="-285750">
-              <a:buFont typeface="Arial" panose="020B0604020202020204" pitchFamily="34" charset="0"/>
-              <a:buChar char="•"/>
-            </a:pPr>
-            <a:r>
-              <a:rPr lang="en-US" dirty="0"/>
-              <a:t>Feature Engineering and Data Processing</a:t>
-            </a:r>
-          </a:p>
-          <a:p>
-            <a:pPr marL="285750" indent="-285750">
-              <a:buFont typeface="Arial" panose="020B0604020202020204" pitchFamily="34" charset="0"/>
-              <a:buChar char="•"/>
-            </a:pPr>
-            <a:r>
-              <a:rPr lang="en-US" dirty="0"/>
-              <a:t>Training</a:t>
-            </a:r>
-          </a:p>
-          <a:p>
-            <a:pPr marL="285750" indent="-285750">
-              <a:buFont typeface="Arial" panose="020B0604020202020204" pitchFamily="34" charset="0"/>
-              <a:buChar char="•"/>
-            </a:pPr>
-            <a:r>
-              <a:rPr lang="en-US" dirty="0"/>
-              <a:t>K-folds Validation</a:t>
-            </a:r>
-          </a:p>
-          <a:p>
-            <a:pPr marL="285750" indent="-285750">
-              <a:buFont typeface="Arial" panose="020B0604020202020204" pitchFamily="34" charset="0"/>
-              <a:buChar char="•"/>
-            </a:pPr>
-            <a:endParaRPr lang="en-US" dirty="0"/>
+              <a:t>(Mean Predictor)</a:t>
+            </a:r>
           </a:p>
         </p:txBody>
       </p:sp>
     </p:spTree>
     <p:extLst>
       <p:ext uri="{BB962C8B-B14F-4D97-AF65-F5344CB8AC3E}">
-        <p14:creationId xmlns:p14="http://schemas.microsoft.com/office/powerpoint/2010/main" val="4253010604"/>
+        <p14:creationId xmlns:p14="http://schemas.microsoft.com/office/powerpoint/2010/main" val="237894626"/>
       </p:ext>
     </p:extLst>
   </p:cSld>
@@ -5703,7 +5618,7 @@
           <p:cNvPr id="2" name="Title 1">
             <a:extLst>
               <a:ext uri="{FF2B5EF4-FFF2-40B4-BE49-F238E27FC236}">
-                <a16:creationId xmlns:a16="http://schemas.microsoft.com/office/drawing/2014/main" id="{EDB27D81-59CE-C344-811C-7154F4E4DBE0}"/>
+                <a16:creationId xmlns:a16="http://schemas.microsoft.com/office/drawing/2014/main" id="{D73A4984-40AB-BB49-941D-9AEFBBFE5F45}"/>
               </a:ext>
             </a:extLst>
           </p:cNvPr>
@@ -5721,22 +5636,112 @@
           <a:p>
             <a:r>
               <a:rPr lang="en-US" dirty="0"/>
-              <a:t>Benchmark: 62.9% </a:t>
-            </a:r>
-            <a:br>
+              <a:t>Linear Regression </a:t>
+            </a:r>
+          </a:p>
+        </p:txBody>
+      </p:sp>
+      <p:sp>
+        <p:nvSpPr>
+          <p:cNvPr id="3" name="Text Placeholder 2">
+            <a:extLst>
+              <a:ext uri="{FF2B5EF4-FFF2-40B4-BE49-F238E27FC236}">
+                <a16:creationId xmlns:a16="http://schemas.microsoft.com/office/drawing/2014/main" id="{665C9509-3699-234D-8112-C8C57C770869}"/>
+              </a:ext>
+            </a:extLst>
+          </p:cNvPr>
+          <p:cNvSpPr>
+            <a:spLocks noGrp="1"/>
+          </p:cNvSpPr>
+          <p:nvPr>
+            <p:ph type="body" idx="1"/>
+          </p:nvPr>
+        </p:nvSpPr>
+        <p:spPr/>
+        <p:txBody>
+          <a:bodyPr/>
+          <a:lstStyle/>
+          <a:p>
+            <a:r>
               <a:rPr lang="en-US" dirty="0"/>
-            </a:br>
+              <a:t>Best Mean Absolute Percentage Error = 32.8%</a:t>
+            </a:r>
+          </a:p>
+        </p:txBody>
+      </p:sp>
+      <p:sp>
+        <p:nvSpPr>
+          <p:cNvPr id="4" name="Text Placeholder 3">
+            <a:extLst>
+              <a:ext uri="{FF2B5EF4-FFF2-40B4-BE49-F238E27FC236}">
+                <a16:creationId xmlns:a16="http://schemas.microsoft.com/office/drawing/2014/main" id="{ED0F5CFB-9EC2-A140-91C9-B6356DD8071C}"/>
+              </a:ext>
+            </a:extLst>
+          </p:cNvPr>
+          <p:cNvSpPr>
+            <a:spLocks noGrp="1"/>
+          </p:cNvSpPr>
+          <p:nvPr>
+            <p:ph type="body" sz="quarter" idx="16"/>
+          </p:nvPr>
+        </p:nvSpPr>
+        <p:spPr/>
+        <p:txBody>
+          <a:bodyPr/>
+          <a:lstStyle/>
+          <a:p>
+            <a:pPr marL="285750" indent="-285750">
+              <a:buFont typeface="Arial" panose="020B0604020202020204" pitchFamily="34" charset="0"/>
+              <a:buChar char="•"/>
+            </a:pPr>
             <a:r>
               <a:rPr lang="en-US" dirty="0"/>
-              <a:t>(Mean Predictor)</a:t>
-            </a:r>
+              <a:t>Feature Correlation Testing</a:t>
+            </a:r>
+          </a:p>
+          <a:p>
+            <a:pPr marL="285750" indent="-285750">
+              <a:buFont typeface="Arial" panose="020B0604020202020204" pitchFamily="34" charset="0"/>
+              <a:buChar char="•"/>
+            </a:pPr>
+            <a:r>
+              <a:rPr lang="en-US" dirty="0"/>
+              <a:t>Feature Engineering and Data Processing</a:t>
+            </a:r>
+          </a:p>
+          <a:p>
+            <a:pPr marL="285750" indent="-285750">
+              <a:buFont typeface="Arial" panose="020B0604020202020204" pitchFamily="34" charset="0"/>
+              <a:buChar char="•"/>
+            </a:pPr>
+            <a:r>
+              <a:rPr lang="en-US" dirty="0"/>
+              <a:t>Training</a:t>
+            </a:r>
+          </a:p>
+          <a:p>
+            <a:pPr marL="285750" indent="-285750">
+              <a:buFont typeface="Arial" panose="020B0604020202020204" pitchFamily="34" charset="0"/>
+              <a:buChar char="•"/>
+            </a:pPr>
+            <a:r>
+              <a:rPr lang="en-US" dirty="0"/>
+              <a:t>K-folds Validation</a:t>
+            </a:r>
+          </a:p>
+          <a:p>
+            <a:pPr marL="285750" indent="-285750">
+              <a:buFont typeface="Arial" panose="020B0604020202020204" pitchFamily="34" charset="0"/>
+              <a:buChar char="•"/>
+            </a:pPr>
+            <a:endParaRPr lang="en-US" dirty="0"/>
           </a:p>
         </p:txBody>
       </p:sp>
     </p:spTree>
     <p:extLst>
       <p:ext uri="{BB962C8B-B14F-4D97-AF65-F5344CB8AC3E}">
-        <p14:creationId xmlns:p14="http://schemas.microsoft.com/office/powerpoint/2010/main" val="237894626"/>
+        <p14:creationId xmlns:p14="http://schemas.microsoft.com/office/powerpoint/2010/main" val="4253010604"/>
       </p:ext>
     </p:extLst>
   </p:cSld>
@@ -5982,7 +5987,7 @@
             <p:ph idx="1"/>
             <p:extLst>
               <p:ext uri="{D42A27DB-BD31-4B8C-83A1-F6EECF244321}">
-                <p14:modId xmlns:p14="http://schemas.microsoft.com/office/powerpoint/2010/main" val="1473613835"/>
+                <p14:modId xmlns:p14="http://schemas.microsoft.com/office/powerpoint/2010/main" val="3688812310"/>
               </p:ext>
             </p:extLst>
           </p:nvPr>
@@ -6104,7 +6109,7 @@
                     <a:p>
                       <a:r>
                         <a:rPr lang="en-US" dirty="0"/>
-                        <a:t>Extensible</a:t>
+                        <a:t>Simple relationships between features and label; extensible</a:t>
                       </a:r>
                     </a:p>
                   </a:txBody>
@@ -6130,7 +6135,7 @@
                     <a:p>
                       <a:r>
                         <a:rPr lang="en-US" dirty="0"/>
-                        <a:t>Easy</a:t>
+                        <a:t>Easy to implement</a:t>
                       </a:r>
                     </a:p>
                   </a:txBody>
@@ -6176,7 +6181,7 @@
                     <a:p>
                       <a:r>
                         <a:rPr lang="en-US" dirty="0"/>
-                        <a:t>Requires a large amount of data</a:t>
+                        <a:t>Requires a large amount of data and evals slowly</a:t>
                       </a:r>
                     </a:p>
                   </a:txBody>
@@ -6286,20 +6291,17 @@
           <a:p>
             <a:r>
               <a:rPr lang="en-US" dirty="0"/>
-              <a:t>Better training data</a:t>
+              <a:t>More training data</a:t>
             </a:r>
           </a:p>
           <a:p>
             <a:r>
               <a:rPr lang="en-US" dirty="0"/>
-              <a:t>Possible missing features (the view, the furnishing, etc.)</a:t>
-            </a:r>
-          </a:p>
-          <a:p>
-            <a:r>
-              <a:rPr lang="en-US" dirty="0"/>
-              <a:t>More data</a:t>
-            </a:r>
+              <a:t>Find possible missing features (the view, the furnishing, etc.)</a:t>
+            </a:r>
+          </a:p>
+          <a:p>
+            <a:endParaRPr lang="en-US" dirty="0"/>
           </a:p>
         </p:txBody>
       </p:sp>
